--- a/Documentation/Presentation/Projet web.pptx
+++ b/Documentation/Presentation/Projet web.pptx
@@ -992,6 +992,23 @@
           <a:p>
             <a:r>
               <a:rPr lang="fr-FR" dirty="0"/>
+              <a:t>Nous avons aussi utilisé apache </a:t>
+            </a:r>
+            <a:r>
+              <a:rPr lang="fr-FR" dirty="0" err="1"/>
+              <a:t>cordova</a:t>
+            </a:r>
+            <a:r>
+              <a:rPr lang="fr-FR" dirty="0"/>
+              <a:t> pour son composant de géolocalisation très simple d’utilisation et pratique.</a:t>
+            </a:r>
+          </a:p>
+          <a:p>
+            <a:endParaRPr lang="fr-FR" dirty="0"/>
+          </a:p>
+          <a:p>
+            <a:r>
+              <a:rPr lang="fr-FR" dirty="0"/>
               <a:t>Pour la partie carte géographique, nous avons utilisé l’API Google </a:t>
             </a:r>
             <a:r>
@@ -1141,11 +1158,7 @@
           <a:p>
             <a:r>
               <a:rPr lang="fr-FR" dirty="0"/>
-              <a:t>NOTE : PDO = </a:t>
-            </a:r>
-            <a:r>
-              <a:rPr lang="fr-FR" dirty="0"/>
-              <a:t>PHP Data </a:t>
+              <a:t>NOTE : PDO = PHP Data </a:t>
             </a:r>
             <a:r>
               <a:rPr lang="fr-FR" dirty="0" err="1"/>
@@ -1155,7 +1168,6 @@
               <a:rPr lang="fr-FR" dirty="0"/>
               <a:t> </a:t>
             </a:r>
-            <a:endParaRPr lang="fr-FR" dirty="0"/>
           </a:p>
         </p:txBody>
       </p:sp>
@@ -4435,9 +4447,9 @@
         </p:nvGrpSpPr>
         <p:grpSpPr>
           <a:xfrm>
-            <a:off x="0" y="0"/>
+            <a:off x="0" y="91440"/>
             <a:ext cx="2487935" cy="6858000"/>
-            <a:chOff x="0" y="0"/>
+            <a:chOff x="0" y="121680"/>
             <a:chExt cx="2194560" cy="9125712"/>
           </a:xfrm>
         </p:grpSpPr>
@@ -4449,7 +4461,7 @@
           </p:nvSpPr>
           <p:spPr>
             <a:xfrm>
-              <a:off x="0" y="0"/>
+              <a:off x="0" y="121680"/>
               <a:ext cx="194535" cy="9125712"/>
             </a:xfrm>
             <a:prstGeom prst="rect">
@@ -19306,13 +19318,13 @@
         </p:nvSpPr>
         <p:spPr>
           <a:xfrm>
-            <a:off x="2173482" y="1825625"/>
-            <a:ext cx="9180317" cy="4351338"/>
+            <a:off x="2158341" y="1690688"/>
+            <a:ext cx="9180317" cy="4172902"/>
           </a:xfrm>
         </p:spPr>
         <p:txBody>
           <a:bodyPr>
-            <a:normAutofit/>
+            <a:normAutofit fontScale="92500" lnSpcReduction="20000"/>
           </a:bodyPr>
           <a:lstStyle/>
           <a:p>
@@ -19402,6 +19414,42 @@
               <a:rPr lang="fr-FR" sz="1200" b="1" dirty="0"/>
               <a:t>Multifonctionnalités</a:t>
             </a:r>
+          </a:p>
+          <a:p>
+            <a:pPr lvl="2"/>
+            <a:endParaRPr lang="fr-FR" sz="1200" b="1" dirty="0"/>
+          </a:p>
+          <a:p>
+            <a:pPr lvl="1"/>
+            <a:r>
+              <a:rPr lang="fr-FR" sz="1600" b="1" dirty="0"/>
+              <a:t>APACHE CORDOVA</a:t>
+            </a:r>
+          </a:p>
+          <a:p>
+            <a:pPr lvl="2"/>
+            <a:r>
+              <a:rPr lang="fr-FR" sz="1200" b="1" dirty="0"/>
+              <a:t>Open source</a:t>
+            </a:r>
+          </a:p>
+          <a:p>
+            <a:pPr lvl="2"/>
+            <a:r>
+              <a:rPr lang="fr-FR" sz="1200" b="1" dirty="0"/>
+              <a:t>Composant géolocalisation</a:t>
+            </a:r>
+          </a:p>
+          <a:p>
+            <a:pPr lvl="2"/>
+            <a:r>
+              <a:rPr lang="fr-FR" sz="1200" b="1" dirty="0"/>
+              <a:t>Multiplateformes</a:t>
+            </a:r>
+          </a:p>
+          <a:p>
+            <a:pPr lvl="2"/>
+            <a:endParaRPr lang="fr-FR" sz="1200" b="1" dirty="0"/>
           </a:p>
           <a:p>
             <a:endParaRPr lang="fr-FR" sz="2000" dirty="0"/>
@@ -22993,6 +23041,47 @@
           </a:ln>
         </p:spPr>
       </p:pic>
+      <p:pic>
+        <p:nvPicPr>
+          <p:cNvPr id="1030" name="Picture 6" descr="http://coenraets.org/blog/wp-content/uploads/2014/06/cordova-ng-ionic.png"/>
+          <p:cNvPicPr>
+            <a:picLocks noChangeAspect="1" noChangeArrowheads="1"/>
+          </p:cNvPicPr>
+          <p:nvPr/>
+        </p:nvPicPr>
+        <p:blipFill>
+          <a:blip r:embed="rId5" cstate="print">
+            <a:extLst>
+              <a:ext uri="{28A0092B-C50C-407E-A947-70E740481C1C}">
+                <a14:useLocalDpi xmlns:a14="http://schemas.microsoft.com/office/drawing/2010/main" val="0"/>
+              </a:ext>
+            </a:extLst>
+          </a:blip>
+          <a:srcRect/>
+          <a:stretch>
+            <a:fillRect/>
+          </a:stretch>
+        </p:blipFill>
+        <p:spPr bwMode="auto">
+          <a:xfrm>
+            <a:off x="6656070" y="3598424"/>
+            <a:ext cx="2557934" cy="929061"/>
+          </a:xfrm>
+          <a:prstGeom prst="rect">
+            <a:avLst/>
+          </a:prstGeom>
+          <a:noFill/>
+          <a:extLst>
+            <a:ext uri="{909E8E84-426E-40DD-AFC4-6F175D3DCCD1}">
+              <a14:hiddenFill xmlns:a14="http://schemas.microsoft.com/office/drawing/2010/main">
+                <a:solidFill>
+                  <a:srgbClr val="FFFFFF"/>
+                </a:solidFill>
+              </a14:hiddenFill>
+            </a:ext>
+          </a:extLst>
+        </p:spPr>
+      </p:pic>
     </p:spTree>
     <p:extLst>
       <p:ext uri="{BB962C8B-B14F-4D97-AF65-F5344CB8AC3E}">
@@ -23058,8 +23147,8 @@
         </p:nvSpPr>
         <p:spPr>
           <a:xfrm>
-            <a:off x="2173482" y="1825625"/>
-            <a:ext cx="9180317" cy="4351338"/>
+            <a:off x="2173482" y="1690688"/>
+            <a:ext cx="9180317" cy="4486275"/>
           </a:xfrm>
         </p:spPr>
         <p:txBody>
@@ -26735,6 +26824,47 @@
           <a:ln>
             <a:noFill/>
           </a:ln>
+        </p:spPr>
+      </p:pic>
+      <p:pic>
+        <p:nvPicPr>
+          <p:cNvPr id="2052" name="Picture 4" descr="https://www.codeur.com/system/images/files/000/000/074/original/phpmysql_logo.png?1411133933"/>
+          <p:cNvPicPr>
+            <a:picLocks noChangeAspect="1" noChangeArrowheads="1"/>
+          </p:cNvPicPr>
+          <p:nvPr/>
+        </p:nvPicPr>
+        <p:blipFill>
+          <a:blip r:embed="rId5">
+            <a:extLst>
+              <a:ext uri="{28A0092B-C50C-407E-A947-70E740481C1C}">
+                <a14:useLocalDpi xmlns:a14="http://schemas.microsoft.com/office/drawing/2010/main" val="0"/>
+              </a:ext>
+            </a:extLst>
+          </a:blip>
+          <a:srcRect/>
+          <a:stretch>
+            <a:fillRect/>
+          </a:stretch>
+        </p:blipFill>
+        <p:spPr bwMode="auto">
+          <a:xfrm>
+            <a:off x="6938009" y="3286981"/>
+            <a:ext cx="1945005" cy="1208435"/>
+          </a:xfrm>
+          <a:prstGeom prst="rect">
+            <a:avLst/>
+          </a:prstGeom>
+          <a:noFill/>
+          <a:extLst>
+            <a:ext uri="{909E8E84-426E-40DD-AFC4-6F175D3DCCD1}">
+              <a14:hiddenFill xmlns:a14="http://schemas.microsoft.com/office/drawing/2010/main">
+                <a:solidFill>
+                  <a:srgbClr val="FFFFFF"/>
+                </a:solidFill>
+              </a14:hiddenFill>
+            </a:ext>
+          </a:extLst>
         </p:spPr>
       </p:pic>
     </p:spTree>
